--- a/units/unit01_basic_logic/basic_logic.pptx
+++ b/units/unit01_basic_logic/basic_logic.pptx
@@ -266,7 +266,7 @@
           <a:p>
             <a:fld id="{B7D6DDD3-D7E9-488B-B626-1E8285E424D8}" type="datetimeFigureOut">
               <a:rPr lang="en-US" smtClean="0"/>
-              <a:t>1/5/2026</a:t>
+              <a:t>1/13/2026</a:t>
             </a:fld>
             <a:endParaRPr lang="en-US"/>
           </a:p>

--- a/units/unit01_basic_logic/basic_logic.pptx
+++ b/units/unit01_basic_logic/basic_logic.pptx
@@ -5,7 +5,7 @@
     <p:sldMasterId id="2147483648" r:id="rId1"/>
   </p:sldMasterIdLst>
   <p:notesMasterIdLst>
-    <p:notesMasterId r:id="rId44"/>
+    <p:notesMasterId r:id="rId45"/>
   </p:notesMasterIdLst>
   <p:sldIdLst>
     <p:sldId id="258" r:id="rId2"/>
@@ -31,25 +31,26 @@
     <p:sldId id="330" r:id="rId22"/>
     <p:sldId id="336" r:id="rId23"/>
     <p:sldId id="327" r:id="rId24"/>
-    <p:sldId id="329" r:id="rId25"/>
-    <p:sldId id="337" r:id="rId26"/>
+    <p:sldId id="386" r:id="rId25"/>
+    <p:sldId id="329" r:id="rId26"/>
     <p:sldId id="332" r:id="rId27"/>
-    <p:sldId id="340" r:id="rId28"/>
-    <p:sldId id="383" r:id="rId29"/>
-    <p:sldId id="372" r:id="rId30"/>
-    <p:sldId id="373" r:id="rId31"/>
-    <p:sldId id="376" r:id="rId32"/>
-    <p:sldId id="377" r:id="rId33"/>
-    <p:sldId id="378" r:id="rId34"/>
-    <p:sldId id="379" r:id="rId35"/>
-    <p:sldId id="380" r:id="rId36"/>
-    <p:sldId id="384" r:id="rId37"/>
-    <p:sldId id="385" r:id="rId38"/>
-    <p:sldId id="278" r:id="rId39"/>
-    <p:sldId id="279" r:id="rId40"/>
-    <p:sldId id="283" r:id="rId41"/>
-    <p:sldId id="280" r:id="rId42"/>
-    <p:sldId id="381" r:id="rId43"/>
+    <p:sldId id="387" r:id="rId28"/>
+    <p:sldId id="340" r:id="rId29"/>
+    <p:sldId id="383" r:id="rId30"/>
+    <p:sldId id="372" r:id="rId31"/>
+    <p:sldId id="373" r:id="rId32"/>
+    <p:sldId id="376" r:id="rId33"/>
+    <p:sldId id="377" r:id="rId34"/>
+    <p:sldId id="378" r:id="rId35"/>
+    <p:sldId id="379" r:id="rId36"/>
+    <p:sldId id="380" r:id="rId37"/>
+    <p:sldId id="384" r:id="rId38"/>
+    <p:sldId id="385" r:id="rId39"/>
+    <p:sldId id="278" r:id="rId40"/>
+    <p:sldId id="279" r:id="rId41"/>
+    <p:sldId id="283" r:id="rId42"/>
+    <p:sldId id="280" r:id="rId43"/>
+    <p:sldId id="381" r:id="rId44"/>
   </p:sldIdLst>
   <p:sldSz cx="12192000" cy="6858000"/>
   <p:notesSz cx="7315200" cy="9601200"/>
@@ -249,7 +250,7 @@
           <a:p>
             <a:fld id="{B7D6DDD3-D7E9-488B-B626-1E8285E424D8}" type="datetimeFigureOut">
               <a:rPr lang="en-US" smtClean="0"/>
-              <a:t>1/30/2026</a:t>
+              <a:t>2/2/2026</a:t>
             </a:fld>
             <a:endParaRPr lang="en-US"/>
           </a:p>
@@ -4176,8 +4177,8 @@
           </a:p>
         </p:txBody>
       </p:sp>
-      <mc:AlternateContent xmlns:mc="http://schemas.openxmlformats.org/markup-compatibility/2006">
-        <mc:Choice xmlns:a14="http://schemas.microsoft.com/office/drawing/2010/main" Requires="a14">
+      <mc:AlternateContent xmlns:mc="http://schemas.openxmlformats.org/markup-compatibility/2006" xmlns:a14="http://schemas.microsoft.com/office/drawing/2010/main">
+        <mc:Choice Requires="a14">
           <p:sp>
             <p:nvSpPr>
               <p:cNvPr id="3" name="Content Placeholder 2">
@@ -4457,7 +4458,7 @@
             </p:txBody>
           </p:sp>
         </mc:Choice>
-        <mc:Fallback>
+        <mc:Fallback xmlns="">
           <p:sp>
             <p:nvSpPr>
               <p:cNvPr id="3" name="Content Placeholder 2">
@@ -4618,8 +4619,8 @@
           </a:p>
         </p:txBody>
       </p:sp>
-      <mc:AlternateContent xmlns:mc="http://schemas.openxmlformats.org/markup-compatibility/2006">
-        <mc:Choice xmlns:a14="http://schemas.microsoft.com/office/drawing/2010/main" Requires="a14">
+      <mc:AlternateContent xmlns:mc="http://schemas.openxmlformats.org/markup-compatibility/2006" xmlns:a14="http://schemas.microsoft.com/office/drawing/2010/main">
+        <mc:Choice Requires="a14">
           <p:sp>
             <p:nvSpPr>
               <p:cNvPr id="3" name="Content Placeholder 2">
@@ -5201,7 +5202,7 @@
             </p:txBody>
           </p:sp>
         </mc:Choice>
-        <mc:Fallback>
+        <mc:Fallback xmlns="">
           <p:sp>
             <p:nvSpPr>
               <p:cNvPr id="3" name="Content Placeholder 2">
@@ -5374,8 +5375,8 @@
           </a:p>
         </p:txBody>
       </p:sp>
-      <mc:AlternateContent xmlns:mc="http://schemas.openxmlformats.org/markup-compatibility/2006">
-        <mc:Choice xmlns:a14="http://schemas.microsoft.com/office/drawing/2010/main" Requires="a14">
+      <mc:AlternateContent xmlns:mc="http://schemas.openxmlformats.org/markup-compatibility/2006" xmlns:a14="http://schemas.microsoft.com/office/drawing/2010/main">
+        <mc:Choice Requires="a14">
           <p:sp>
             <p:nvSpPr>
               <p:cNvPr id="7" name="TextBox 6">
@@ -5404,6 +5405,7 @@
               </a:bodyPr>
               <a:lstStyle/>
               <a:p>
+                <a:pPr/>
                 <a:r>
                   <a:rPr lang="en-US" dirty="0"/>
                   <a:t>Sign bit</a:t>
@@ -5449,7 +5451,7 @@
             </p:txBody>
           </p:sp>
         </mc:Choice>
-        <mc:Fallback>
+        <mc:Fallback xmlns="">
           <p:sp>
             <p:nvSpPr>
               <p:cNvPr id="7" name="TextBox 6">
@@ -5494,8 +5496,8 @@
           </p:sp>
         </mc:Fallback>
       </mc:AlternateContent>
-      <mc:AlternateContent xmlns:mc="http://schemas.openxmlformats.org/markup-compatibility/2006">
-        <mc:Choice xmlns:a14="http://schemas.microsoft.com/office/drawing/2010/main" Requires="a14">
+      <mc:AlternateContent xmlns:mc="http://schemas.openxmlformats.org/markup-compatibility/2006" xmlns:a14="http://schemas.microsoft.com/office/drawing/2010/main">
+        <mc:Choice Requires="a14">
           <p:sp>
             <p:nvSpPr>
               <p:cNvPr id="8" name="TextBox 7">
@@ -5524,6 +5526,7 @@
               </a:bodyPr>
               <a:lstStyle/>
               <a:p>
+                <a:pPr/>
                 <a:r>
                   <a:rPr lang="en-US" dirty="0"/>
                   <a:t>Lower bits</a:t>
@@ -5569,7 +5572,7 @@
             </p:txBody>
           </p:sp>
         </mc:Choice>
-        <mc:Fallback>
+        <mc:Fallback xmlns="">
           <p:sp>
             <p:nvSpPr>
               <p:cNvPr id="8" name="TextBox 7">
@@ -5789,8 +5792,8 @@
           </a:p>
         </p:txBody>
       </p:sp>
-      <mc:AlternateContent xmlns:mc="http://schemas.openxmlformats.org/markup-compatibility/2006">
-        <mc:Choice xmlns:a14="http://schemas.microsoft.com/office/drawing/2010/main" Requires="a14">
+      <mc:AlternateContent xmlns:mc="http://schemas.openxmlformats.org/markup-compatibility/2006" xmlns:a14="http://schemas.microsoft.com/office/drawing/2010/main">
+        <mc:Choice Requires="a14">
           <p:sp>
             <p:nvSpPr>
               <p:cNvPr id="3" name="Content Placeholder 2">
@@ -6252,7 +6255,7 @@
                     <m:sSup>
                       <m:sSupPr>
                         <m:ctrlPr>
-                          <a:rPr lang="en-US" b="0" i="0" smtClean="0">
+                          <a:rPr lang="en-US" b="0" i="1" smtClean="0">
                             <a:latin typeface="Cambria Math" panose="02040503050406030204" pitchFamily="18" charset="0"/>
                           </a:rPr>
                         </m:ctrlPr>
@@ -6496,7 +6499,7 @@
             </p:txBody>
           </p:sp>
         </mc:Choice>
-        <mc:Fallback>
+        <mc:Fallback xmlns="">
           <p:sp>
             <p:nvSpPr>
               <p:cNvPr id="3" name="Content Placeholder 2">
@@ -7130,7 +7133,7 @@
         </p:nvSpPr>
         <p:spPr>
           <a:xfrm>
-            <a:off x="433915" y="1441808"/>
+            <a:off x="402165" y="1987908"/>
             <a:ext cx="938784" cy="484632"/>
           </a:xfrm>
           <a:prstGeom prst="rightArrow">
@@ -9622,7 +9625,7 @@
           <p:cNvPr id="2" name="Title 1">
             <a:extLst>
               <a:ext uri="{FF2B5EF4-FFF2-40B4-BE49-F238E27FC236}">
-                <a16:creationId xmlns:a16="http://schemas.microsoft.com/office/drawing/2014/main" id="{34F5FD15-4F83-138E-B36C-90947C59831E}"/>
+                <a16:creationId xmlns:a16="http://schemas.microsoft.com/office/drawing/2014/main" id="{05B6AF92-E8E9-6F6C-BB45-475AA9B90607}"/>
               </a:ext>
             </a:extLst>
           </p:cNvPr>
@@ -9640,17 +9643,302 @@
           <a:p>
             <a:r>
               <a:rPr lang="en-US" dirty="0"/>
-              <a:t>Sample Problem</a:t>
+              <a:t>Addition in System Verilog</a:t>
             </a:r>
           </a:p>
         </p:txBody>
       </p:sp>
+      <mc:AlternateContent xmlns:mc="http://schemas.openxmlformats.org/markup-compatibility/2006">
+        <mc:Choice xmlns:a14="http://schemas.microsoft.com/office/drawing/2010/main" Requires="a14">
+          <p:sp>
+            <p:nvSpPr>
+              <p:cNvPr id="3" name="Content Placeholder 2">
+                <a:extLst>
+                  <a:ext uri="{FF2B5EF4-FFF2-40B4-BE49-F238E27FC236}">
+                    <a16:creationId xmlns:a16="http://schemas.microsoft.com/office/drawing/2014/main" id="{B0C01B8E-1199-F65B-9713-83D9CC60270B}"/>
+                  </a:ext>
+                </a:extLst>
+              </p:cNvPr>
+              <p:cNvSpPr>
+                <a:spLocks noGrp="1"/>
+              </p:cNvSpPr>
+              <p:nvPr>
+                <p:ph idx="1"/>
+              </p:nvPr>
+            </p:nvSpPr>
+            <p:spPr/>
+            <p:txBody>
+              <a:bodyPr/>
+              <a:lstStyle/>
+              <a:p>
+                <a:r>
+                  <a:rPr lang="en-US" dirty="0"/>
+                  <a:t>SV does not auto-promote with addition</a:t>
+                </a:r>
+              </a:p>
+              <a:p>
+                <a:r>
+                  <a:rPr lang="en-US" dirty="0"/>
+                  <a:t>Adding </a:t>
+                </a:r>
+                <a14:m>
+                  <m:oMath xmlns:m="http://schemas.openxmlformats.org/officeDocument/2006/math">
+                    <m:r>
+                      <a:rPr lang="en-US" b="0" i="1" smtClean="0">
+                        <a:latin typeface="Cambria Math" panose="02040503050406030204" pitchFamily="18" charset="0"/>
+                      </a:rPr>
+                      <m:t>𝑎</m:t>
+                    </m:r>
+                    <m:r>
+                      <a:rPr lang="en-US" b="0" i="1" smtClean="0">
+                        <a:latin typeface="Cambria Math" panose="02040503050406030204" pitchFamily="18" charset="0"/>
+                      </a:rPr>
+                      <m:t>+</m:t>
+                    </m:r>
+                    <m:r>
+                      <a:rPr lang="en-US" b="0" i="1" smtClean="0">
+                        <a:latin typeface="Cambria Math" panose="02040503050406030204" pitchFamily="18" charset="0"/>
+                      </a:rPr>
+                      <m:t>𝑏</m:t>
+                    </m:r>
+                  </m:oMath>
+                </a14:m>
+                <a:r>
+                  <a:rPr lang="en-US" dirty="0"/>
+                  <a:t>  in SV:</a:t>
+                </a:r>
+              </a:p>
+              <a:p>
+                <a:pPr lvl="1"/>
+                <a:r>
+                  <a:rPr lang="en-US" dirty="0"/>
+                  <a:t>Sum is stored in temporary </a:t>
+                </a:r>
+                <a14:m>
+                  <m:oMath xmlns:m="http://schemas.openxmlformats.org/officeDocument/2006/math">
+                    <m:r>
+                      <a:rPr lang="en-US" b="0" i="1" smtClean="0">
+                        <a:latin typeface="Cambria Math" panose="02040503050406030204" pitchFamily="18" charset="0"/>
+                      </a:rPr>
+                      <m:t>𝑡</m:t>
+                    </m:r>
+                  </m:oMath>
+                </a14:m>
+                <a:endParaRPr lang="en-US" dirty="0"/>
+              </a:p>
+              <a:p>
+                <a:pPr lvl="1"/>
+                <a14:m>
+                  <m:oMath xmlns:m="http://schemas.openxmlformats.org/officeDocument/2006/math">
+                    <m:r>
+                      <a:rPr lang="en-US" b="0" i="1" smtClean="0">
+                        <a:latin typeface="Cambria Math" panose="02040503050406030204" pitchFamily="18" charset="0"/>
+                      </a:rPr>
+                      <m:t>𝑊</m:t>
+                    </m:r>
+                    <m:d>
+                      <m:dPr>
+                        <m:ctrlPr>
+                          <a:rPr lang="en-US" b="0" i="1" smtClean="0">
+                            <a:latin typeface="Cambria Math" panose="02040503050406030204" pitchFamily="18" charset="0"/>
+                          </a:rPr>
+                        </m:ctrlPr>
+                      </m:dPr>
+                      <m:e>
+                        <m:r>
+                          <a:rPr lang="en-US" b="0" i="1" smtClean="0">
+                            <a:latin typeface="Cambria Math" panose="02040503050406030204" pitchFamily="18" charset="0"/>
+                          </a:rPr>
+                          <m:t>𝑡</m:t>
+                        </m:r>
+                      </m:e>
+                    </m:d>
+                    <m:r>
+                      <a:rPr lang="en-US" b="0" i="1" smtClean="0">
+                        <a:latin typeface="Cambria Math" panose="02040503050406030204" pitchFamily="18" charset="0"/>
+                      </a:rPr>
+                      <m:t>=</m:t>
+                    </m:r>
+                    <m:func>
+                      <m:funcPr>
+                        <m:ctrlPr>
+                          <a:rPr lang="en-US" b="0" i="1" smtClean="0">
+                            <a:latin typeface="Cambria Math" panose="02040503050406030204" pitchFamily="18" charset="0"/>
+                          </a:rPr>
+                        </m:ctrlPr>
+                      </m:funcPr>
+                      <m:fName>
+                        <m:r>
+                          <m:rPr>
+                            <m:sty m:val="p"/>
+                          </m:rPr>
+                          <a:rPr lang="en-US" b="0" i="0" smtClean="0">
+                            <a:latin typeface="Cambria Math" panose="02040503050406030204" pitchFamily="18" charset="0"/>
+                          </a:rPr>
+                          <m:t>max</m:t>
+                        </m:r>
+                      </m:fName>
+                      <m:e>
+                        <m:d>
+                          <m:dPr>
+                            <m:begChr m:val="{"/>
+                            <m:endChr m:val="}"/>
+                            <m:ctrlPr>
+                              <a:rPr lang="en-US" b="0" i="1" smtClean="0">
+                                <a:latin typeface="Cambria Math" panose="02040503050406030204" pitchFamily="18" charset="0"/>
+                              </a:rPr>
+                            </m:ctrlPr>
+                          </m:dPr>
+                          <m:e>
+                            <m:r>
+                              <a:rPr lang="en-US" b="0" i="1" smtClean="0">
+                                <a:latin typeface="Cambria Math" panose="02040503050406030204" pitchFamily="18" charset="0"/>
+                              </a:rPr>
+                              <m:t> </m:t>
+                            </m:r>
+                            <m:r>
+                              <a:rPr lang="en-US" b="0" i="1" smtClean="0">
+                                <a:latin typeface="Cambria Math" panose="02040503050406030204" pitchFamily="18" charset="0"/>
+                              </a:rPr>
+                              <m:t>𝑊</m:t>
+                            </m:r>
+                            <m:d>
+                              <m:dPr>
+                                <m:ctrlPr>
+                                  <a:rPr lang="en-US" b="0" i="1" smtClean="0">
+                                    <a:latin typeface="Cambria Math" panose="02040503050406030204" pitchFamily="18" charset="0"/>
+                                  </a:rPr>
+                                </m:ctrlPr>
+                              </m:dPr>
+                              <m:e>
+                                <m:r>
+                                  <a:rPr lang="en-US" b="0" i="1" smtClean="0">
+                                    <a:latin typeface="Cambria Math" panose="02040503050406030204" pitchFamily="18" charset="0"/>
+                                  </a:rPr>
+                                  <m:t>𝑎</m:t>
+                                </m:r>
+                              </m:e>
+                            </m:d>
+                            <m:r>
+                              <a:rPr lang="en-US" b="0" i="1" smtClean="0">
+                                <a:latin typeface="Cambria Math" panose="02040503050406030204" pitchFamily="18" charset="0"/>
+                              </a:rPr>
+                              <m:t>, </m:t>
+                            </m:r>
+                            <m:r>
+                              <a:rPr lang="en-US" b="0" i="1" smtClean="0">
+                                <a:latin typeface="Cambria Math" panose="02040503050406030204" pitchFamily="18" charset="0"/>
+                              </a:rPr>
+                              <m:t>𝑊</m:t>
+                            </m:r>
+                            <m:d>
+                              <m:dPr>
+                                <m:ctrlPr>
+                                  <a:rPr lang="en-US" b="0" i="1" smtClean="0">
+                                    <a:latin typeface="Cambria Math" panose="02040503050406030204" pitchFamily="18" charset="0"/>
+                                  </a:rPr>
+                                </m:ctrlPr>
+                              </m:dPr>
+                              <m:e>
+                                <m:r>
+                                  <a:rPr lang="en-US" b="0" i="1" smtClean="0">
+                                    <a:latin typeface="Cambria Math" panose="02040503050406030204" pitchFamily="18" charset="0"/>
+                                  </a:rPr>
+                                  <m:t>𝑏</m:t>
+                                </m:r>
+                              </m:e>
+                            </m:d>
+                          </m:e>
+                        </m:d>
+                      </m:e>
+                    </m:func>
+                  </m:oMath>
+                </a14:m>
+                <a:endParaRPr lang="en-US" b="0" dirty="0"/>
+              </a:p>
+              <a:p>
+                <a:pPr lvl="1"/>
+                <a:r>
+                  <a:rPr lang="en-US" dirty="0"/>
+                  <a:t>No additional bit</a:t>
+                </a:r>
+              </a:p>
+              <a:p>
+                <a:pPr lvl="1"/>
+                <a:r>
+                  <a:rPr lang="en-US" dirty="0"/>
+                  <a:t>May overflow before assignment</a:t>
+                </a:r>
+              </a:p>
+              <a:p>
+                <a:r>
+                  <a:rPr lang="en-US" dirty="0"/>
+                  <a:t>To avoid overflow:</a:t>
+                </a:r>
+              </a:p>
+              <a:p>
+                <a:pPr lvl="1"/>
+                <a:r>
+                  <a:rPr lang="en-US" dirty="0"/>
+                  <a:t>Method 1:  Add one term at a time</a:t>
+                </a:r>
+              </a:p>
+              <a:p>
+                <a:pPr lvl="1"/>
+                <a:r>
+                  <a:rPr lang="en-US" dirty="0"/>
+                  <a:t>Method 2:  Extend then add</a:t>
+                </a:r>
+              </a:p>
+            </p:txBody>
+          </p:sp>
+        </mc:Choice>
+        <mc:Fallback>
+          <p:sp>
+            <p:nvSpPr>
+              <p:cNvPr id="3" name="Content Placeholder 2">
+                <a:extLst>
+                  <a:ext uri="{FF2B5EF4-FFF2-40B4-BE49-F238E27FC236}">
+                    <a16:creationId xmlns:a16="http://schemas.microsoft.com/office/drawing/2014/main" id="{B0C01B8E-1199-F65B-9713-83D9CC60270B}"/>
+                  </a:ext>
+                </a:extLst>
+              </p:cNvPr>
+              <p:cNvSpPr>
+                <a:spLocks noGrp="1" noRot="1" noChangeAspect="1" noMove="1" noResize="1" noEditPoints="1" noAdjustHandles="1" noChangeArrowheads="1" noChangeShapeType="1" noTextEdit="1"/>
+              </p:cNvSpPr>
+              <p:nvPr>
+                <p:ph idx="1"/>
+              </p:nvPr>
+            </p:nvSpPr>
+            <p:spPr>
+              <a:blipFill>
+                <a:blip r:embed="rId2"/>
+                <a:stretch>
+                  <a:fillRect l="-1455" t="-1549"/>
+                </a:stretch>
+              </a:blipFill>
+            </p:spPr>
+            <p:txBody>
+              <a:bodyPr/>
+              <a:lstStyle/>
+              <a:p>
+                <a:r>
+                  <a:rPr lang="en-US">
+                    <a:noFill/>
+                  </a:rPr>
+                  <a:t> </a:t>
+                </a:r>
+              </a:p>
+            </p:txBody>
+          </p:sp>
+        </mc:Fallback>
+      </mc:AlternateContent>
       <p:sp>
         <p:nvSpPr>
           <p:cNvPr id="4" name="Slide Number Placeholder 3">
             <a:extLst>
               <a:ext uri="{FF2B5EF4-FFF2-40B4-BE49-F238E27FC236}">
-                <a16:creationId xmlns:a16="http://schemas.microsoft.com/office/drawing/2014/main" id="{BFE86D62-C1CC-B294-03EF-D935E9865517}"/>
+                <a16:creationId xmlns:a16="http://schemas.microsoft.com/office/drawing/2014/main" id="{C45C7044-EDAD-1CB0-0617-C9C14B982F31}"/>
               </a:ext>
             </a:extLst>
           </p:cNvPr>
@@ -9676,10 +9964,10 @@
       </p:sp>
       <p:pic>
         <p:nvPicPr>
-          <p:cNvPr id="7" name="Picture 6">
+          <p:cNvPr id="8" name="Picture 7">
             <a:extLst>
               <a:ext uri="{FF2B5EF4-FFF2-40B4-BE49-F238E27FC236}">
-                <a16:creationId xmlns:a16="http://schemas.microsoft.com/office/drawing/2014/main" id="{C54E7E05-0C2B-AA95-6A66-1D32F46D2C4B}"/>
+                <a16:creationId xmlns:a16="http://schemas.microsoft.com/office/drawing/2014/main" id="{23F162D4-396F-5D2B-13D8-F564095D05A1}"/>
               </a:ext>
             </a:extLst>
           </p:cNvPr>
@@ -9689,25 +9977,137 @@
           <p:nvPr/>
         </p:nvPicPr>
         <p:blipFill>
-          <a:blip r:embed="rId2"/>
+          <a:blip r:embed="rId3"/>
           <a:stretch>
             <a:fillRect/>
           </a:stretch>
         </p:blipFill>
         <p:spPr>
           <a:xfrm>
-            <a:off x="1097280" y="1541728"/>
-            <a:ext cx="7459116" cy="2534004"/>
+            <a:off x="6437630" y="1276113"/>
+            <a:ext cx="5249008" cy="3391373"/>
           </a:xfrm>
           <a:prstGeom prst="rect">
             <a:avLst/>
           </a:prstGeom>
         </p:spPr>
       </p:pic>
+      <p:pic>
+        <p:nvPicPr>
+          <p:cNvPr id="10" name="Picture 9">
+            <a:extLst>
+              <a:ext uri="{FF2B5EF4-FFF2-40B4-BE49-F238E27FC236}">
+                <a16:creationId xmlns:a16="http://schemas.microsoft.com/office/drawing/2014/main" id="{5F95F0B9-123F-A68B-5668-8C3A7B631418}"/>
+              </a:ext>
+            </a:extLst>
+          </p:cNvPr>
+          <p:cNvPicPr>
+            <a:picLocks noChangeAspect="1"/>
+          </p:cNvPicPr>
+          <p:nvPr/>
+        </p:nvPicPr>
+        <p:blipFill>
+          <a:blip r:embed="rId4"/>
+          <a:stretch>
+            <a:fillRect/>
+          </a:stretch>
+        </p:blipFill>
+        <p:spPr>
+          <a:xfrm>
+            <a:off x="4839872" y="4816064"/>
+            <a:ext cx="6030167" cy="1181265"/>
+          </a:xfrm>
+          <a:prstGeom prst="rect">
+            <a:avLst/>
+          </a:prstGeom>
+        </p:spPr>
+      </p:pic>
+      <p:cxnSp>
+        <p:nvCxnSpPr>
+          <p:cNvPr id="12" name="Straight Arrow Connector 11">
+            <a:extLst>
+              <a:ext uri="{FF2B5EF4-FFF2-40B4-BE49-F238E27FC236}">
+                <a16:creationId xmlns:a16="http://schemas.microsoft.com/office/drawing/2014/main" id="{C9085243-7ABD-C0F4-01E0-3571972CB33D}"/>
+              </a:ext>
+            </a:extLst>
+          </p:cNvPr>
+          <p:cNvCxnSpPr>
+            <a:cxnSpLocks/>
+          </p:cNvCxnSpPr>
+          <p:nvPr/>
+        </p:nvCxnSpPr>
+        <p:spPr>
+          <a:xfrm>
+            <a:off x="4839872" y="4241800"/>
+            <a:ext cx="1427578" cy="189559"/>
+          </a:xfrm>
+          <a:prstGeom prst="straightConnector1">
+            <a:avLst/>
+          </a:prstGeom>
+          <a:ln>
+            <a:tailEnd type="triangle"/>
+          </a:ln>
+        </p:spPr>
+        <p:style>
+          <a:lnRef idx="1">
+            <a:schemeClr val="accent1"/>
+          </a:lnRef>
+          <a:fillRef idx="0">
+            <a:schemeClr val="accent1"/>
+          </a:fillRef>
+          <a:effectRef idx="0">
+            <a:schemeClr val="accent1"/>
+          </a:effectRef>
+          <a:fontRef idx="minor">
+            <a:schemeClr val="tx1"/>
+          </a:fontRef>
+        </p:style>
+      </p:cxnSp>
+      <p:cxnSp>
+        <p:nvCxnSpPr>
+          <p:cNvPr id="13" name="Straight Arrow Connector 12">
+            <a:extLst>
+              <a:ext uri="{FF2B5EF4-FFF2-40B4-BE49-F238E27FC236}">
+                <a16:creationId xmlns:a16="http://schemas.microsoft.com/office/drawing/2014/main" id="{AE57ADEF-6A4B-5858-9731-24DB1D54F8D1}"/>
+              </a:ext>
+            </a:extLst>
+          </p:cNvPr>
+          <p:cNvCxnSpPr>
+            <a:cxnSpLocks/>
+          </p:cNvCxnSpPr>
+          <p:nvPr/>
+        </p:nvCxnSpPr>
+        <p:spPr>
+          <a:xfrm>
+            <a:off x="3334386" y="4667486"/>
+            <a:ext cx="1227039" cy="651237"/>
+          </a:xfrm>
+          <a:prstGeom prst="straightConnector1">
+            <a:avLst/>
+          </a:prstGeom>
+          <a:ln>
+            <a:tailEnd type="triangle"/>
+          </a:ln>
+        </p:spPr>
+        <p:style>
+          <a:lnRef idx="1">
+            <a:schemeClr val="accent1"/>
+          </a:lnRef>
+          <a:fillRef idx="0">
+            <a:schemeClr val="accent1"/>
+          </a:fillRef>
+          <a:effectRef idx="0">
+            <a:schemeClr val="accent1"/>
+          </a:effectRef>
+          <a:fontRef idx="minor">
+            <a:schemeClr val="tx1"/>
+          </a:fontRef>
+        </p:style>
+      </p:cxnSp>
     </p:spTree>
     <p:extLst>
       <p:ext uri="{BB962C8B-B14F-4D97-AF65-F5344CB8AC3E}">
-        <p14:creationId xmlns:p14="http://schemas.microsoft.com/office/powerpoint/2010/main" val="1739615070"/>
+        <p14:creationId xmlns:p14="http://schemas.microsoft.com/office/powerpoint/2010/main" val="3298997240"/>
       </p:ext>
     </p:extLst>
   </p:cSld>
@@ -9739,7 +10139,7 @@
           <p:cNvPr id="2" name="Title 1">
             <a:extLst>
               <a:ext uri="{FF2B5EF4-FFF2-40B4-BE49-F238E27FC236}">
-                <a16:creationId xmlns:a16="http://schemas.microsoft.com/office/drawing/2014/main" id="{0D2C269C-07D3-A6D8-DAE1-D8EB0444C90A}"/>
+                <a16:creationId xmlns:a16="http://schemas.microsoft.com/office/drawing/2014/main" id="{34F5FD15-4F83-138E-B36C-90947C59831E}"/>
               </a:ext>
             </a:extLst>
           </p:cNvPr>
@@ -9757,67 +10157,8 @@
           <a:p>
             <a:r>
               <a:rPr lang="en-US" dirty="0"/>
-              <a:t>Addition with Truncation</a:t>
-            </a:r>
-          </a:p>
-        </p:txBody>
-      </p:sp>
-      <p:sp>
-        <p:nvSpPr>
-          <p:cNvPr id="3" name="Content Placeholder 2">
-            <a:extLst>
-              <a:ext uri="{FF2B5EF4-FFF2-40B4-BE49-F238E27FC236}">
-                <a16:creationId xmlns:a16="http://schemas.microsoft.com/office/drawing/2014/main" id="{7E41823F-3F78-1EBE-8735-73573D44CAC9}"/>
-              </a:ext>
-            </a:extLst>
-          </p:cNvPr>
-          <p:cNvSpPr>
-            <a:spLocks noGrp="1"/>
-          </p:cNvSpPr>
-          <p:nvPr>
-            <p:ph idx="1"/>
-          </p:nvPr>
-        </p:nvSpPr>
-        <p:spPr/>
-        <p:txBody>
-          <a:bodyPr/>
-          <a:lstStyle/>
-          <a:p>
-            <a:r>
-              <a:rPr lang="en-US" dirty="0"/>
-              <a:t>Given a potential overflow, SV will:</a:t>
-            </a:r>
-          </a:p>
-          <a:p>
-            <a:pPr lvl="1"/>
-            <a:r>
-              <a:rPr lang="en-US" dirty="0"/>
-              <a:t>Create a temporary variable with no overflow</a:t>
-            </a:r>
-          </a:p>
-          <a:p>
-            <a:pPr lvl="1"/>
-            <a:r>
-              <a:rPr lang="en-US" dirty="0"/>
-              <a:t>Temporary variable has enough bits</a:t>
-            </a:r>
-          </a:p>
-          <a:p>
-            <a:pPr lvl="1"/>
-            <a:r>
-              <a:rPr lang="en-US" dirty="0"/>
-              <a:t>Then it will truncate to lower bits</a:t>
-            </a:r>
-          </a:p>
-          <a:p>
-            <a:r>
-              <a:rPr lang="en-US" dirty="0"/>
-              <a:t>Saturation must be implemented manually</a:t>
-            </a:r>
-          </a:p>
-          <a:p>
-            <a:pPr lvl="1"/>
-            <a:endParaRPr lang="en-US" dirty="0"/>
+              <a:t>Sample Problem</a:t>
+            </a:r>
           </a:p>
         </p:txBody>
       </p:sp>
@@ -9826,7 +10167,7 @@
           <p:cNvPr id="4" name="Slide Number Placeholder 3">
             <a:extLst>
               <a:ext uri="{FF2B5EF4-FFF2-40B4-BE49-F238E27FC236}">
-                <a16:creationId xmlns:a16="http://schemas.microsoft.com/office/drawing/2014/main" id="{E3A4D59D-163E-CE80-2F3E-E65C4A435BF9}"/>
+                <a16:creationId xmlns:a16="http://schemas.microsoft.com/office/drawing/2014/main" id="{BFE86D62-C1CC-B294-03EF-D935E9865517}"/>
               </a:ext>
             </a:extLst>
           </p:cNvPr>
@@ -9852,10 +10193,10 @@
       </p:sp>
       <p:pic>
         <p:nvPicPr>
-          <p:cNvPr id="8" name="Picture 7">
+          <p:cNvPr id="5" name="Picture 4">
             <a:extLst>
               <a:ext uri="{FF2B5EF4-FFF2-40B4-BE49-F238E27FC236}">
-                <a16:creationId xmlns:a16="http://schemas.microsoft.com/office/drawing/2014/main" id="{7CD53694-8D7C-BC42-4C09-402CDD27A6C8}"/>
+                <a16:creationId xmlns:a16="http://schemas.microsoft.com/office/drawing/2014/main" id="{BA8BA218-0E58-8D46-3F48-6EE974A06115}"/>
               </a:ext>
             </a:extLst>
           </p:cNvPr>
@@ -9872,8 +10213,8 @@
         </p:blipFill>
         <p:spPr>
           <a:xfrm>
-            <a:off x="6377785" y="1995184"/>
-            <a:ext cx="5567429" cy="3676997"/>
+            <a:off x="1097280" y="1642906"/>
+            <a:ext cx="7697274" cy="2238687"/>
           </a:xfrm>
           <a:prstGeom prst="rect">
             <a:avLst/>
@@ -9883,7 +10224,7 @@
     </p:spTree>
     <p:extLst>
       <p:ext uri="{BB962C8B-B14F-4D97-AF65-F5344CB8AC3E}">
-        <p14:creationId xmlns:p14="http://schemas.microsoft.com/office/powerpoint/2010/main" val="704970496"/>
+        <p14:creationId xmlns:p14="http://schemas.microsoft.com/office/powerpoint/2010/main" val="1739615070"/>
       </p:ext>
     </p:extLst>
   </p:cSld>
@@ -9938,8 +10279,8 @@
           </a:p>
         </p:txBody>
       </p:sp>
-      <mc:AlternateContent xmlns:mc="http://schemas.openxmlformats.org/markup-compatibility/2006" xmlns:a14="http://schemas.microsoft.com/office/drawing/2010/main">
-        <mc:Choice Requires="a14">
+      <mc:AlternateContent xmlns:mc="http://schemas.openxmlformats.org/markup-compatibility/2006">
+        <mc:Choice xmlns:a14="http://schemas.microsoft.com/office/drawing/2010/main" Requires="a14">
           <p:sp>
             <p:nvSpPr>
               <p:cNvPr id="3" name="Content Placeholder 2">
@@ -9959,7 +10300,7 @@
             <p:spPr>
               <a:xfrm>
                 <a:off x="1097280" y="1539277"/>
-                <a:ext cx="4832793" cy="4329817"/>
+                <a:ext cx="5513070" cy="4329817"/>
               </a:xfrm>
             </p:spPr>
             <p:txBody>
@@ -10141,20 +10482,34 @@
               <a:p>
                 <a:r>
                   <a:rPr lang="en-US" sz="2400" dirty="0"/>
-                  <a:t>With overflow:</a:t>
+                  <a:t>SV implementation</a:t>
                 </a:r>
               </a:p>
               <a:p>
                 <a:pPr lvl="1"/>
                 <a:r>
                   <a:rPr lang="en-US" sz="2200" dirty="0"/>
-                  <a:t>SV implements truncation </a:t>
+                  <a:t>Unlike addition, SV auto-promotes</a:t>
+                </a:r>
+              </a:p>
+              <a:p>
+                <a:pPr lvl="1"/>
+                <a:r>
+                  <a:rPr lang="en-US" sz="2200" dirty="0"/>
+                  <a:t>Stores product in sufficiently large bit width</a:t>
+                </a:r>
+              </a:p>
+              <a:p>
+                <a:pPr lvl="1"/>
+                <a:r>
+                  <a:rPr lang="en-US" sz="2200" dirty="0"/>
+                  <a:t>Will then truncate if needed on assignment </a:t>
                 </a:r>
               </a:p>
             </p:txBody>
           </p:sp>
         </mc:Choice>
-        <mc:Fallback xmlns="">
+        <mc:Fallback>
           <p:sp>
             <p:nvSpPr>
               <p:cNvPr id="3" name="Content Placeholder 2">
@@ -10174,12 +10529,12 @@
             <p:spPr>
               <a:xfrm>
                 <a:off x="1097280" y="1539277"/>
-                <a:ext cx="4832793" cy="4329817"/>
+                <a:ext cx="5513070" cy="4329817"/>
               </a:xfrm>
               <a:blipFill>
                 <a:blip r:embed="rId2"/>
                 <a:stretch>
-                  <a:fillRect l="-3531" t="-1972"/>
+                  <a:fillRect l="-3097" t="-1972"/>
                 </a:stretch>
               </a:blipFill>
             </p:spPr>
@@ -10271,6 +10626,123 @@
 </file>
 
 <file path=ppt/slides/slide27.xml><?xml version="1.0" encoding="utf-8"?>
+<p:sld xmlns:a="http://schemas.openxmlformats.org/drawingml/2006/main" xmlns:r="http://schemas.openxmlformats.org/officeDocument/2006/relationships" xmlns:p="http://schemas.openxmlformats.org/presentationml/2006/main">
+  <p:cSld>
+    <p:spTree>
+      <p:nvGrpSpPr>
+        <p:cNvPr id="1" name=""/>
+        <p:cNvGrpSpPr/>
+        <p:nvPr/>
+      </p:nvGrpSpPr>
+      <p:grpSpPr>
+        <a:xfrm>
+          <a:off x="0" y="0"/>
+          <a:ext cx="0" cy="0"/>
+          <a:chOff x="0" y="0"/>
+          <a:chExt cx="0" cy="0"/>
+        </a:xfrm>
+      </p:grpSpPr>
+      <p:sp>
+        <p:nvSpPr>
+          <p:cNvPr id="2" name="Title 1">
+            <a:extLst>
+              <a:ext uri="{FF2B5EF4-FFF2-40B4-BE49-F238E27FC236}">
+                <a16:creationId xmlns:a16="http://schemas.microsoft.com/office/drawing/2014/main" id="{55705E9B-51FD-5E27-267B-408163B709FE}"/>
+              </a:ext>
+            </a:extLst>
+          </p:cNvPr>
+          <p:cNvSpPr>
+            <a:spLocks noGrp="1"/>
+          </p:cNvSpPr>
+          <p:nvPr>
+            <p:ph type="title"/>
+          </p:nvPr>
+        </p:nvSpPr>
+        <p:spPr/>
+        <p:txBody>
+          <a:bodyPr/>
+          <a:lstStyle/>
+          <a:p>
+            <a:r>
+              <a:rPr lang="en-US" dirty="0"/>
+              <a:t>Sample Problem</a:t>
+            </a:r>
+          </a:p>
+        </p:txBody>
+      </p:sp>
+      <p:sp>
+        <p:nvSpPr>
+          <p:cNvPr id="4" name="Slide Number Placeholder 3">
+            <a:extLst>
+              <a:ext uri="{FF2B5EF4-FFF2-40B4-BE49-F238E27FC236}">
+                <a16:creationId xmlns:a16="http://schemas.microsoft.com/office/drawing/2014/main" id="{CD0D0C2E-1DF9-B1A4-727E-4F01B5E3787E}"/>
+              </a:ext>
+            </a:extLst>
+          </p:cNvPr>
+          <p:cNvSpPr>
+            <a:spLocks noGrp="1"/>
+          </p:cNvSpPr>
+          <p:nvPr>
+            <p:ph type="sldNum" sz="quarter" idx="12"/>
+          </p:nvPr>
+        </p:nvSpPr>
+        <p:spPr/>
+        <p:txBody>
+          <a:bodyPr/>
+          <a:lstStyle/>
+          <a:p>
+            <a:fld id="{629637A9-119A-49DA-BD12-AAC58B377D80}" type="slidenum">
+              <a:rPr lang="en-US" smtClean="0"/>
+              <a:t>27</a:t>
+            </a:fld>
+            <a:endParaRPr lang="en-US" dirty="0"/>
+          </a:p>
+        </p:txBody>
+      </p:sp>
+      <p:pic>
+        <p:nvPicPr>
+          <p:cNvPr id="6" name="Picture 5">
+            <a:extLst>
+              <a:ext uri="{FF2B5EF4-FFF2-40B4-BE49-F238E27FC236}">
+                <a16:creationId xmlns:a16="http://schemas.microsoft.com/office/drawing/2014/main" id="{FFA013BE-7793-411D-8838-104EEDFB4BDE}"/>
+              </a:ext>
+            </a:extLst>
+          </p:cNvPr>
+          <p:cNvPicPr>
+            <a:picLocks noChangeAspect="1"/>
+          </p:cNvPicPr>
+          <p:nvPr/>
+        </p:nvPicPr>
+        <p:blipFill>
+          <a:blip r:embed="rId2"/>
+          <a:stretch>
+            <a:fillRect/>
+          </a:stretch>
+        </p:blipFill>
+        <p:spPr>
+          <a:xfrm>
+            <a:off x="1160644" y="1550502"/>
+            <a:ext cx="8008366" cy="3970534"/>
+          </a:xfrm>
+          <a:prstGeom prst="rect">
+            <a:avLst/>
+          </a:prstGeom>
+        </p:spPr>
+      </p:pic>
+    </p:spTree>
+    <p:extLst>
+      <p:ext uri="{BB962C8B-B14F-4D97-AF65-F5344CB8AC3E}">
+        <p14:creationId xmlns:p14="http://schemas.microsoft.com/office/powerpoint/2010/main" val="84860615"/>
+      </p:ext>
+    </p:extLst>
+  </p:cSld>
+  <p:clrMapOvr>
+    <a:masterClrMapping/>
+  </p:clrMapOvr>
+</p:sld>
+</file>
+
+<file path=ppt/slides/slide28.xml><?xml version="1.0" encoding="utf-8"?>
 <p:sld xmlns:a="http://schemas.openxmlformats.org/drawingml/2006/main" xmlns:r="http://schemas.openxmlformats.org/officeDocument/2006/relationships" xmlns:p="http://schemas.openxmlformats.org/presentationml/2006/main">
   <p:cSld>
     <p:spTree>
@@ -10581,7 +11053,7 @@
           <a:p>
             <a:fld id="{629637A9-119A-49DA-BD12-AAC58B377D80}" type="slidenum">
               <a:rPr lang="en-US" smtClean="0"/>
-              <a:t>27</a:t>
+              <a:t>28</a:t>
             </a:fld>
             <a:endParaRPr lang="en-US" dirty="0"/>
           </a:p>
@@ -10600,7 +11072,7 @@
 </p:sld>
 </file>
 
-<file path=ppt/slides/slide28.xml><?xml version="1.0" encoding="utf-8"?>
+<file path=ppt/slides/slide29.xml><?xml version="1.0" encoding="utf-8"?>
 <p:sld xmlns:a="http://schemas.openxmlformats.org/drawingml/2006/main" xmlns:r="http://schemas.openxmlformats.org/officeDocument/2006/relationships" xmlns:p="http://schemas.openxmlformats.org/presentationml/2006/main">
   <p:cSld>
     <p:spTree>
@@ -10728,7 +11200,7 @@
           <a:p>
             <a:fld id="{629637A9-119A-49DA-BD12-AAC58B377D80}" type="slidenum">
               <a:rPr lang="en-US" smtClean="0"/>
-              <a:t>28</a:t>
+              <a:t>29</a:t>
             </a:fld>
             <a:endParaRPr lang="en-US" dirty="0"/>
           </a:p>
@@ -10799,7 +11271,206 @@
 </p:sld>
 </file>
 
-<file path=ppt/slides/slide29.xml><?xml version="1.0" encoding="utf-8"?>
+<file path=ppt/slides/slide3.xml><?xml version="1.0" encoding="utf-8"?>
+<p:sld xmlns:a="http://schemas.openxmlformats.org/drawingml/2006/main" xmlns:r="http://schemas.openxmlformats.org/officeDocument/2006/relationships" xmlns:p="http://schemas.openxmlformats.org/presentationml/2006/main">
+  <p:cSld>
+    <p:spTree>
+      <p:nvGrpSpPr>
+        <p:cNvPr id="1" name="">
+          <a:extLst>
+            <a:ext uri="{FF2B5EF4-FFF2-40B4-BE49-F238E27FC236}">
+              <a16:creationId xmlns:a16="http://schemas.microsoft.com/office/drawing/2014/main" id="{57CCDBD8-97BD-BD4B-0778-271EFC52E109}"/>
+            </a:ext>
+          </a:extLst>
+        </p:cNvPr>
+        <p:cNvGrpSpPr/>
+        <p:nvPr/>
+      </p:nvGrpSpPr>
+      <p:grpSpPr>
+        <a:xfrm>
+          <a:off x="0" y="0"/>
+          <a:ext cx="0" cy="0"/>
+          <a:chOff x="0" y="0"/>
+          <a:chExt cx="0" cy="0"/>
+        </a:xfrm>
+      </p:grpSpPr>
+      <p:sp>
+        <p:nvSpPr>
+          <p:cNvPr id="2" name="Title 1">
+            <a:extLst>
+              <a:ext uri="{FF2B5EF4-FFF2-40B4-BE49-F238E27FC236}">
+                <a16:creationId xmlns:a16="http://schemas.microsoft.com/office/drawing/2014/main" id="{A6FAD057-D3F2-E232-A2EC-F5F7BB624704}"/>
+              </a:ext>
+            </a:extLst>
+          </p:cNvPr>
+          <p:cNvSpPr>
+            <a:spLocks noGrp="1"/>
+          </p:cNvSpPr>
+          <p:nvPr>
+            <p:ph type="title"/>
+          </p:nvPr>
+        </p:nvSpPr>
+        <p:spPr/>
+        <p:txBody>
+          <a:bodyPr/>
+          <a:lstStyle/>
+          <a:p>
+            <a:r>
+              <a:rPr lang="en-US" dirty="0"/>
+              <a:t>Outline</a:t>
+            </a:r>
+          </a:p>
+        </p:txBody>
+      </p:sp>
+      <p:sp>
+        <p:nvSpPr>
+          <p:cNvPr id="3" name="Content Placeholder 2">
+            <a:extLst>
+              <a:ext uri="{FF2B5EF4-FFF2-40B4-BE49-F238E27FC236}">
+                <a16:creationId xmlns:a16="http://schemas.microsoft.com/office/drawing/2014/main" id="{04AE3D57-8DAD-6747-B49B-441425F5B896}"/>
+              </a:ext>
+            </a:extLst>
+          </p:cNvPr>
+          <p:cNvSpPr>
+            <a:spLocks noGrp="1"/>
+          </p:cNvSpPr>
+          <p:nvPr>
+            <p:ph idx="1"/>
+          </p:nvPr>
+        </p:nvSpPr>
+        <p:spPr/>
+        <p:txBody>
+          <a:bodyPr>
+            <a:normAutofit/>
+          </a:bodyPr>
+          <a:lstStyle/>
+          <a:p>
+            <a:r>
+              <a:rPr lang="en-US" sz="2400" dirty="0"/>
+              <a:t>Basic Data Types:  Logic and Integers</a:t>
+            </a:r>
+          </a:p>
+          <a:p>
+            <a:r>
+              <a:rPr lang="en-US" sz="2400" dirty="0"/>
+              <a:t>Truncation and Overflows</a:t>
+            </a:r>
+          </a:p>
+          <a:p>
+            <a:r>
+              <a:rPr lang="en-US" sz="2400" dirty="0"/>
+              <a:t>Bit Shifts</a:t>
+            </a:r>
+          </a:p>
+          <a:p>
+            <a:r>
+              <a:rPr lang="en-US" sz="2400" dirty="0"/>
+              <a:t>Simple Combinational Logic</a:t>
+            </a:r>
+          </a:p>
+          <a:p>
+            <a:pPr marL="0" indent="0">
+              <a:buNone/>
+            </a:pPr>
+            <a:endParaRPr lang="en-US" sz="2400" dirty="0"/>
+          </a:p>
+        </p:txBody>
+      </p:sp>
+      <p:sp>
+        <p:nvSpPr>
+          <p:cNvPr id="4" name="Slide Number Placeholder 3">
+            <a:extLst>
+              <a:ext uri="{FF2B5EF4-FFF2-40B4-BE49-F238E27FC236}">
+                <a16:creationId xmlns:a16="http://schemas.microsoft.com/office/drawing/2014/main" id="{1686C136-6EC3-17C9-7DA2-B52F0D5DE3D0}"/>
+              </a:ext>
+            </a:extLst>
+          </p:cNvPr>
+          <p:cNvSpPr>
+            <a:spLocks noGrp="1"/>
+          </p:cNvSpPr>
+          <p:nvPr>
+            <p:ph type="sldNum" sz="quarter" idx="12"/>
+          </p:nvPr>
+        </p:nvSpPr>
+        <p:spPr/>
+        <p:txBody>
+          <a:bodyPr/>
+          <a:lstStyle/>
+          <a:p>
+            <a:fld id="{629637A9-119A-49DA-BD12-AAC58B377D80}" type="slidenum">
+              <a:rPr lang="en-US" smtClean="0"/>
+              <a:t>3</a:t>
+            </a:fld>
+            <a:endParaRPr lang="en-US" dirty="0"/>
+          </a:p>
+        </p:txBody>
+      </p:sp>
+      <p:sp>
+        <p:nvSpPr>
+          <p:cNvPr id="5" name="Arrow: Right 4">
+            <a:extLst>
+              <a:ext uri="{FF2B5EF4-FFF2-40B4-BE49-F238E27FC236}">
+                <a16:creationId xmlns:a16="http://schemas.microsoft.com/office/drawing/2014/main" id="{46D70949-E262-43AA-4CF2-AF66F64A569E}"/>
+              </a:ext>
+            </a:extLst>
+          </p:cNvPr>
+          <p:cNvSpPr/>
+          <p:nvPr/>
+        </p:nvSpPr>
+        <p:spPr>
+          <a:xfrm>
+            <a:off x="433915" y="1441808"/>
+            <a:ext cx="938784" cy="484632"/>
+          </a:xfrm>
+          <a:prstGeom prst="rightArrow">
+            <a:avLst/>
+          </a:prstGeom>
+          <a:solidFill>
+            <a:schemeClr val="accent1">
+              <a:lumMod val="40000"/>
+              <a:lumOff val="60000"/>
+            </a:schemeClr>
+          </a:solidFill>
+        </p:spPr>
+        <p:style>
+          <a:lnRef idx="2">
+            <a:schemeClr val="accent1">
+              <a:shade val="50000"/>
+            </a:schemeClr>
+          </a:lnRef>
+          <a:fillRef idx="1">
+            <a:schemeClr val="accent1"/>
+          </a:fillRef>
+          <a:effectRef idx="0">
+            <a:schemeClr val="accent1"/>
+          </a:effectRef>
+          <a:fontRef idx="minor">
+            <a:schemeClr val="lt1"/>
+          </a:fontRef>
+        </p:style>
+        <p:txBody>
+          <a:bodyPr rtlCol="0" anchor="ctr"/>
+          <a:lstStyle/>
+          <a:p>
+            <a:pPr algn="ctr"/>
+            <a:endParaRPr lang="en-US" dirty="0"/>
+          </a:p>
+        </p:txBody>
+      </p:sp>
+    </p:spTree>
+    <p:extLst>
+      <p:ext uri="{BB962C8B-B14F-4D97-AF65-F5344CB8AC3E}">
+        <p14:creationId xmlns:p14="http://schemas.microsoft.com/office/powerpoint/2010/main" val="934292963"/>
+      </p:ext>
+    </p:extLst>
+  </p:cSld>
+  <p:clrMapOvr>
+    <a:masterClrMapping/>
+  </p:clrMapOvr>
+</p:sld>
+</file>
+
+<file path=ppt/slides/slide30.xml><?xml version="1.0" encoding="utf-8"?>
 <p:sld xmlns:a="http://schemas.openxmlformats.org/drawingml/2006/main" xmlns:r="http://schemas.openxmlformats.org/officeDocument/2006/relationships" xmlns:p="http://schemas.openxmlformats.org/presentationml/2006/main">
   <p:cSld>
     <p:spTree>
@@ -10844,8 +11515,8 @@
           </a:p>
         </p:txBody>
       </p:sp>
-      <mc:AlternateContent xmlns:mc="http://schemas.openxmlformats.org/markup-compatibility/2006">
-        <mc:Choice xmlns:a14="http://schemas.microsoft.com/office/drawing/2010/main" Requires="a14">
+      <mc:AlternateContent xmlns:mc="http://schemas.openxmlformats.org/markup-compatibility/2006" xmlns:a14="http://schemas.microsoft.com/office/drawing/2010/main">
+        <mc:Choice Requires="a14">
           <p:sp>
             <p:nvSpPr>
               <p:cNvPr id="3" name="Content Placeholder 2">
@@ -11129,7 +11800,7 @@
             </p:txBody>
           </p:sp>
         </mc:Choice>
-        <mc:Fallback>
+        <mc:Fallback xmlns="">
           <p:sp>
             <p:nvSpPr>
               <p:cNvPr id="3" name="Content Placeholder 2">
@@ -11192,7 +11863,7 @@
           <a:p>
             <a:fld id="{629637A9-119A-49DA-BD12-AAC58B377D80}" type="slidenum">
               <a:rPr lang="en-US" smtClean="0"/>
-              <a:t>29</a:t>
+              <a:t>30</a:t>
             </a:fld>
             <a:endParaRPr lang="en-US" dirty="0"/>
           </a:p>
@@ -11211,206 +11882,7 @@
 </p:sld>
 </file>
 
-<file path=ppt/slides/slide3.xml><?xml version="1.0" encoding="utf-8"?>
-<p:sld xmlns:a="http://schemas.openxmlformats.org/drawingml/2006/main" xmlns:r="http://schemas.openxmlformats.org/officeDocument/2006/relationships" xmlns:p="http://schemas.openxmlformats.org/presentationml/2006/main">
-  <p:cSld>
-    <p:spTree>
-      <p:nvGrpSpPr>
-        <p:cNvPr id="1" name="">
-          <a:extLst>
-            <a:ext uri="{FF2B5EF4-FFF2-40B4-BE49-F238E27FC236}">
-              <a16:creationId xmlns:a16="http://schemas.microsoft.com/office/drawing/2014/main" id="{57CCDBD8-97BD-BD4B-0778-271EFC52E109}"/>
-            </a:ext>
-          </a:extLst>
-        </p:cNvPr>
-        <p:cNvGrpSpPr/>
-        <p:nvPr/>
-      </p:nvGrpSpPr>
-      <p:grpSpPr>
-        <a:xfrm>
-          <a:off x="0" y="0"/>
-          <a:ext cx="0" cy="0"/>
-          <a:chOff x="0" y="0"/>
-          <a:chExt cx="0" cy="0"/>
-        </a:xfrm>
-      </p:grpSpPr>
-      <p:sp>
-        <p:nvSpPr>
-          <p:cNvPr id="2" name="Title 1">
-            <a:extLst>
-              <a:ext uri="{FF2B5EF4-FFF2-40B4-BE49-F238E27FC236}">
-                <a16:creationId xmlns:a16="http://schemas.microsoft.com/office/drawing/2014/main" id="{A6FAD057-D3F2-E232-A2EC-F5F7BB624704}"/>
-              </a:ext>
-            </a:extLst>
-          </p:cNvPr>
-          <p:cNvSpPr>
-            <a:spLocks noGrp="1"/>
-          </p:cNvSpPr>
-          <p:nvPr>
-            <p:ph type="title"/>
-          </p:nvPr>
-        </p:nvSpPr>
-        <p:spPr/>
-        <p:txBody>
-          <a:bodyPr/>
-          <a:lstStyle/>
-          <a:p>
-            <a:r>
-              <a:rPr lang="en-US" dirty="0"/>
-              <a:t>Outline</a:t>
-            </a:r>
-          </a:p>
-        </p:txBody>
-      </p:sp>
-      <p:sp>
-        <p:nvSpPr>
-          <p:cNvPr id="3" name="Content Placeholder 2">
-            <a:extLst>
-              <a:ext uri="{FF2B5EF4-FFF2-40B4-BE49-F238E27FC236}">
-                <a16:creationId xmlns:a16="http://schemas.microsoft.com/office/drawing/2014/main" id="{04AE3D57-8DAD-6747-B49B-441425F5B896}"/>
-              </a:ext>
-            </a:extLst>
-          </p:cNvPr>
-          <p:cNvSpPr>
-            <a:spLocks noGrp="1"/>
-          </p:cNvSpPr>
-          <p:nvPr>
-            <p:ph idx="1"/>
-          </p:nvPr>
-        </p:nvSpPr>
-        <p:spPr/>
-        <p:txBody>
-          <a:bodyPr>
-            <a:normAutofit/>
-          </a:bodyPr>
-          <a:lstStyle/>
-          <a:p>
-            <a:r>
-              <a:rPr lang="en-US" sz="2400" dirty="0"/>
-              <a:t>Basic Data Types:  Logic and Integers</a:t>
-            </a:r>
-          </a:p>
-          <a:p>
-            <a:r>
-              <a:rPr lang="en-US" sz="2400" dirty="0"/>
-              <a:t>Truncation and Overflows</a:t>
-            </a:r>
-          </a:p>
-          <a:p>
-            <a:r>
-              <a:rPr lang="en-US" sz="2400" dirty="0"/>
-              <a:t>Bit Shifts</a:t>
-            </a:r>
-          </a:p>
-          <a:p>
-            <a:r>
-              <a:rPr lang="en-US" sz="2400" dirty="0"/>
-              <a:t>Simple Combinational Logic</a:t>
-            </a:r>
-          </a:p>
-          <a:p>
-            <a:pPr marL="0" indent="0">
-              <a:buNone/>
-            </a:pPr>
-            <a:endParaRPr lang="en-US" sz="2400" dirty="0"/>
-          </a:p>
-        </p:txBody>
-      </p:sp>
-      <p:sp>
-        <p:nvSpPr>
-          <p:cNvPr id="4" name="Slide Number Placeholder 3">
-            <a:extLst>
-              <a:ext uri="{FF2B5EF4-FFF2-40B4-BE49-F238E27FC236}">
-                <a16:creationId xmlns:a16="http://schemas.microsoft.com/office/drawing/2014/main" id="{1686C136-6EC3-17C9-7DA2-B52F0D5DE3D0}"/>
-              </a:ext>
-            </a:extLst>
-          </p:cNvPr>
-          <p:cNvSpPr>
-            <a:spLocks noGrp="1"/>
-          </p:cNvSpPr>
-          <p:nvPr>
-            <p:ph type="sldNum" sz="quarter" idx="12"/>
-          </p:nvPr>
-        </p:nvSpPr>
-        <p:spPr/>
-        <p:txBody>
-          <a:bodyPr/>
-          <a:lstStyle/>
-          <a:p>
-            <a:fld id="{629637A9-119A-49DA-BD12-AAC58B377D80}" type="slidenum">
-              <a:rPr lang="en-US" smtClean="0"/>
-              <a:t>3</a:t>
-            </a:fld>
-            <a:endParaRPr lang="en-US" dirty="0"/>
-          </a:p>
-        </p:txBody>
-      </p:sp>
-      <p:sp>
-        <p:nvSpPr>
-          <p:cNvPr id="5" name="Arrow: Right 4">
-            <a:extLst>
-              <a:ext uri="{FF2B5EF4-FFF2-40B4-BE49-F238E27FC236}">
-                <a16:creationId xmlns:a16="http://schemas.microsoft.com/office/drawing/2014/main" id="{46D70949-E262-43AA-4CF2-AF66F64A569E}"/>
-              </a:ext>
-            </a:extLst>
-          </p:cNvPr>
-          <p:cNvSpPr/>
-          <p:nvPr/>
-        </p:nvSpPr>
-        <p:spPr>
-          <a:xfrm>
-            <a:off x="433915" y="1441808"/>
-            <a:ext cx="938784" cy="484632"/>
-          </a:xfrm>
-          <a:prstGeom prst="rightArrow">
-            <a:avLst/>
-          </a:prstGeom>
-          <a:solidFill>
-            <a:schemeClr val="accent1">
-              <a:lumMod val="40000"/>
-              <a:lumOff val="60000"/>
-            </a:schemeClr>
-          </a:solidFill>
-        </p:spPr>
-        <p:style>
-          <a:lnRef idx="2">
-            <a:schemeClr val="accent1">
-              <a:shade val="50000"/>
-            </a:schemeClr>
-          </a:lnRef>
-          <a:fillRef idx="1">
-            <a:schemeClr val="accent1"/>
-          </a:fillRef>
-          <a:effectRef idx="0">
-            <a:schemeClr val="accent1"/>
-          </a:effectRef>
-          <a:fontRef idx="minor">
-            <a:schemeClr val="lt1"/>
-          </a:fontRef>
-        </p:style>
-        <p:txBody>
-          <a:bodyPr rtlCol="0" anchor="ctr"/>
-          <a:lstStyle/>
-          <a:p>
-            <a:pPr algn="ctr"/>
-            <a:endParaRPr lang="en-US" dirty="0"/>
-          </a:p>
-        </p:txBody>
-      </p:sp>
-    </p:spTree>
-    <p:extLst>
-      <p:ext uri="{BB962C8B-B14F-4D97-AF65-F5344CB8AC3E}">
-        <p14:creationId xmlns:p14="http://schemas.microsoft.com/office/powerpoint/2010/main" val="934292963"/>
-      </p:ext>
-    </p:extLst>
-  </p:cSld>
-  <p:clrMapOvr>
-    <a:masterClrMapping/>
-  </p:clrMapOvr>
-</p:sld>
-</file>
-
-<file path=ppt/slides/slide30.xml><?xml version="1.0" encoding="utf-8"?>
+<file path=ppt/slides/slide31.xml><?xml version="1.0" encoding="utf-8"?>
 <p:sld xmlns:a="http://schemas.openxmlformats.org/drawingml/2006/main" xmlns:r="http://schemas.openxmlformats.org/officeDocument/2006/relationships" xmlns:p="http://schemas.openxmlformats.org/presentationml/2006/main">
   <p:cSld>
     <p:spTree>
@@ -11538,7 +12010,7 @@
           <a:p>
             <a:fld id="{629637A9-119A-49DA-BD12-AAC58B377D80}" type="slidenum">
               <a:rPr lang="en-US" smtClean="0"/>
-              <a:t>30</a:t>
+              <a:t>31</a:t>
             </a:fld>
             <a:endParaRPr lang="en-US" dirty="0"/>
           </a:p>
@@ -11587,7 +12059,7 @@
 </p:sld>
 </file>
 
-<file path=ppt/slides/slide31.xml><?xml version="1.0" encoding="utf-8"?>
+<file path=ppt/slides/slide32.xml><?xml version="1.0" encoding="utf-8"?>
 <p:sld xmlns:a="http://schemas.openxmlformats.org/drawingml/2006/main" xmlns:r="http://schemas.openxmlformats.org/officeDocument/2006/relationships" xmlns:p="http://schemas.openxmlformats.org/presentationml/2006/main">
   <p:cSld>
     <p:spTree>
@@ -11632,8 +12104,8 @@
           </a:p>
         </p:txBody>
       </p:sp>
-      <mc:AlternateContent xmlns:mc="http://schemas.openxmlformats.org/markup-compatibility/2006">
-        <mc:Choice xmlns:a14="http://schemas.microsoft.com/office/drawing/2010/main" Requires="a14">
+      <mc:AlternateContent xmlns:mc="http://schemas.openxmlformats.org/markup-compatibility/2006" xmlns:a14="http://schemas.microsoft.com/office/drawing/2010/main">
+        <mc:Choice Requires="a14">
           <p:sp>
             <p:nvSpPr>
               <p:cNvPr id="3" name="Content Placeholder 2">
@@ -11728,7 +12200,7 @@
                     <m:sSub>
                       <m:sSubPr>
                         <m:ctrlPr>
-                          <a:rPr lang="en-US" b="0" i="0" smtClean="0">
+                          <a:rPr lang="en-US" b="0" i="1" smtClean="0">
                             <a:latin typeface="Cambria Math" panose="02040503050406030204" pitchFamily="18" charset="0"/>
                           </a:rPr>
                         </m:ctrlPr>
@@ -11737,7 +12209,7 @@
                         <m:d>
                           <m:dPr>
                             <m:ctrlPr>
-                              <a:rPr lang="en-US" b="0" i="0" smtClean="0">
+                              <a:rPr lang="en-US" b="0" i="1" smtClean="0">
                                 <a:latin typeface="Cambria Math" panose="02040503050406030204" pitchFamily="18" charset="0"/>
                               </a:rPr>
                             </m:ctrlPr>
@@ -11872,7 +12344,7 @@
             </p:txBody>
           </p:sp>
         </mc:Choice>
-        <mc:Fallback>
+        <mc:Fallback xmlns="">
           <p:sp>
             <p:nvSpPr>
               <p:cNvPr id="3" name="Content Placeholder 2">
@@ -11939,7 +12411,7 @@
           <a:p>
             <a:fld id="{629637A9-119A-49DA-BD12-AAC58B377D80}" type="slidenum">
               <a:rPr lang="en-US" smtClean="0"/>
-              <a:t>31</a:t>
+              <a:t>32</a:t>
             </a:fld>
             <a:endParaRPr lang="en-US" dirty="0"/>
           </a:p>
@@ -11988,7 +12460,7 @@
 </p:sld>
 </file>
 
-<file path=ppt/slides/slide32.xml><?xml version="1.0" encoding="utf-8"?>
+<file path=ppt/slides/slide33.xml><?xml version="1.0" encoding="utf-8"?>
 <p:sld xmlns:a="http://schemas.openxmlformats.org/drawingml/2006/main" xmlns:r="http://schemas.openxmlformats.org/officeDocument/2006/relationships" xmlns:p="http://schemas.openxmlformats.org/presentationml/2006/main">
   <p:cSld>
     <p:spTree>
@@ -12051,7 +12523,7 @@
                 <p:ph idx="1"/>
                 <p:extLst>
                   <p:ext uri="{D42A27DB-BD31-4B8C-83A1-F6EECF244321}">
-                    <p14:modId xmlns:p14="http://schemas.microsoft.com/office/powerpoint/2010/main" val="2493370857"/>
+                    <p14:modId xmlns:p14="http://schemas.microsoft.com/office/powerpoint/2010/main" val="2391666040"/>
                   </p:ext>
                 </p:extLst>
               </p:nvPr>
@@ -12161,7 +12633,10 @@
                         <a:bodyPr/>
                         <a:lstStyle/>
                         <a:p>
-                          <a:endParaRPr lang="en-US" dirty="0"/>
+                          <a:r>
+                            <a:rPr lang="en-US" dirty="0"/>
+                            <a:t>                       or </a:t>
+                          </a:r>
                         </a:p>
                         <a:p>
                           <a:endParaRPr lang="en-US" dirty="0"/>
@@ -12316,7 +12791,7 @@
                 <p:ph idx="1"/>
                 <p:extLst>
                   <p:ext uri="{D42A27DB-BD31-4B8C-83A1-F6EECF244321}">
-                    <p14:modId xmlns:p14="http://schemas.microsoft.com/office/powerpoint/2010/main" val="2493370857"/>
+                    <p14:modId xmlns:p14="http://schemas.microsoft.com/office/powerpoint/2010/main" val="2391666040"/>
                   </p:ext>
                 </p:extLst>
               </p:nvPr>
@@ -12426,7 +12901,10 @@
                         <a:bodyPr/>
                         <a:lstStyle/>
                         <a:p>
-                          <a:endParaRPr lang="en-US" dirty="0"/>
+                          <a:r>
+                            <a:rPr lang="en-US" dirty="0"/>
+                            <a:t>                       or </a:t>
+                          </a:r>
                         </a:p>
                         <a:p>
                           <a:endParaRPr lang="en-US" dirty="0"/>
@@ -12567,7 +13045,7 @@
           <a:p>
             <a:fld id="{629637A9-119A-49DA-BD12-AAC58B377D80}" type="slidenum">
               <a:rPr lang="en-US" smtClean="0"/>
-              <a:t>32</a:t>
+              <a:t>33</a:t>
             </a:fld>
             <a:endParaRPr lang="en-US" dirty="0"/>
           </a:p>
@@ -12595,7 +13073,7 @@
         </p:blipFill>
         <p:spPr>
           <a:xfrm>
-            <a:off x="4949765" y="1972292"/>
+            <a:off x="4711580" y="1962898"/>
             <a:ext cx="857370" cy="247685"/>
           </a:xfrm>
           <a:prstGeom prst="rect">
@@ -12655,7 +13133,7 @@
         </p:blipFill>
         <p:spPr>
           <a:xfrm>
-            <a:off x="4978344" y="2750378"/>
+            <a:off x="4740159" y="2646044"/>
             <a:ext cx="828791" cy="276264"/>
           </a:xfrm>
           <a:prstGeom prst="rect">
@@ -12715,7 +13193,7 @@
         </p:blipFill>
         <p:spPr>
           <a:xfrm>
-            <a:off x="4968818" y="3337791"/>
+            <a:off x="4749686" y="3314202"/>
             <a:ext cx="819264" cy="247685"/>
           </a:xfrm>
           <a:prstGeom prst="rect">
@@ -13044,6 +13522,36 @@
           </a:p>
         </p:txBody>
       </p:sp>
+      <p:pic>
+        <p:nvPicPr>
+          <p:cNvPr id="6" name="Picture 5">
+            <a:extLst>
+              <a:ext uri="{FF2B5EF4-FFF2-40B4-BE49-F238E27FC236}">
+                <a16:creationId xmlns:a16="http://schemas.microsoft.com/office/drawing/2014/main" id="{564FC3B4-7DE6-2B9D-75AB-4E5B1E1D9D4C}"/>
+              </a:ext>
+            </a:extLst>
+          </p:cNvPr>
+          <p:cNvPicPr>
+            <a:picLocks noChangeAspect="1"/>
+          </p:cNvPicPr>
+          <p:nvPr/>
+        </p:nvPicPr>
+        <p:blipFill>
+          <a:blip r:embed="rId7"/>
+          <a:stretch>
+            <a:fillRect/>
+          </a:stretch>
+        </p:blipFill>
+        <p:spPr>
+          <a:xfrm>
+            <a:off x="6245144" y="1957631"/>
+            <a:ext cx="1012906" cy="240773"/>
+          </a:xfrm>
+          <a:prstGeom prst="rect">
+            <a:avLst/>
+          </a:prstGeom>
+        </p:spPr>
+      </p:pic>
     </p:spTree>
     <p:extLst>
       <p:ext uri="{BB962C8B-B14F-4D97-AF65-F5344CB8AC3E}">
@@ -13057,7 +13565,7 @@
 </p:sld>
 </file>
 
-<file path=ppt/slides/slide33.xml><?xml version="1.0" encoding="utf-8"?>
+<file path=ppt/slides/slide34.xml><?xml version="1.0" encoding="utf-8"?>
 <p:sld xmlns:a="http://schemas.openxmlformats.org/drawingml/2006/main" xmlns:r="http://schemas.openxmlformats.org/officeDocument/2006/relationships" xmlns:p="http://schemas.openxmlformats.org/presentationml/2006/main">
   <p:cSld>
     <p:spTree>
@@ -13102,8 +13610,8 @@
           </a:p>
         </p:txBody>
       </p:sp>
-      <mc:AlternateContent xmlns:mc="http://schemas.openxmlformats.org/markup-compatibility/2006">
-        <mc:Choice xmlns:a14="http://schemas.microsoft.com/office/drawing/2010/main" Requires="a14">
+      <mc:AlternateContent xmlns:mc="http://schemas.openxmlformats.org/markup-compatibility/2006" xmlns:a14="http://schemas.microsoft.com/office/drawing/2010/main">
+        <mc:Choice Requires="a14">
           <p:sp>
             <p:nvSpPr>
               <p:cNvPr id="3" name="Content Placeholder 2">
@@ -13389,7 +13897,7 @@
             </p:txBody>
           </p:sp>
         </mc:Choice>
-        <mc:Fallback>
+        <mc:Fallback xmlns="">
           <p:sp>
             <p:nvSpPr>
               <p:cNvPr id="3" name="Content Placeholder 2">
@@ -13452,7 +13960,7 @@
           <a:p>
             <a:fld id="{629637A9-119A-49DA-BD12-AAC58B377D80}" type="slidenum">
               <a:rPr lang="en-US" smtClean="0"/>
-              <a:t>33</a:t>
+              <a:t>34</a:t>
             </a:fld>
             <a:endParaRPr lang="en-US" dirty="0"/>
           </a:p>
@@ -13471,7 +13979,7 @@
 </p:sld>
 </file>
 
-<file path=ppt/slides/slide34.xml><?xml version="1.0" encoding="utf-8"?>
+<file path=ppt/slides/slide35.xml><?xml version="1.0" encoding="utf-8"?>
 <p:sld xmlns:a="http://schemas.openxmlformats.org/drawingml/2006/main" xmlns:r="http://schemas.openxmlformats.org/officeDocument/2006/relationships" xmlns:p="http://schemas.openxmlformats.org/presentationml/2006/main">
   <p:cSld>
     <p:spTree>
@@ -13539,7 +14047,7 @@
           <a:p>
             <a:fld id="{629637A9-119A-49DA-BD12-AAC58B377D80}" type="slidenum">
               <a:rPr lang="en-US" smtClean="0"/>
-              <a:t>34</a:t>
+              <a:t>35</a:t>
             </a:fld>
             <a:endParaRPr lang="en-US" dirty="0"/>
           </a:p>
@@ -13588,7 +14096,7 @@
 </p:sld>
 </file>
 
-<file path=ppt/slides/slide35.xml><?xml version="1.0" encoding="utf-8"?>
+<file path=ppt/slides/slide36.xml><?xml version="1.0" encoding="utf-8"?>
 <p:sld xmlns:a="http://schemas.openxmlformats.org/drawingml/2006/main" xmlns:r="http://schemas.openxmlformats.org/officeDocument/2006/relationships" xmlns:p="http://schemas.openxmlformats.org/presentationml/2006/main">
   <p:cSld>
     <p:spTree>
@@ -13656,7 +14164,7 @@
           <a:p>
             <a:fld id="{629637A9-119A-49DA-BD12-AAC58B377D80}" type="slidenum">
               <a:rPr lang="en-US" smtClean="0"/>
-              <a:t>35</a:t>
+              <a:t>36</a:t>
             </a:fld>
             <a:endParaRPr lang="en-US" dirty="0"/>
           </a:p>
@@ -13735,7 +14243,7 @@
 </p:sld>
 </file>
 
-<file path=ppt/slides/slide36.xml><?xml version="1.0" encoding="utf-8"?>
+<file path=ppt/slides/slide37.xml><?xml version="1.0" encoding="utf-8"?>
 <p:sld xmlns:a="http://schemas.openxmlformats.org/drawingml/2006/main" xmlns:r="http://schemas.openxmlformats.org/officeDocument/2006/relationships" xmlns:p="http://schemas.openxmlformats.org/presentationml/2006/main">
   <p:cSld>
     <p:spTree>
@@ -13863,7 +14371,7 @@
           <a:p>
             <a:fld id="{629637A9-119A-49DA-BD12-AAC58B377D80}" type="slidenum">
               <a:rPr lang="en-US" smtClean="0"/>
-              <a:t>36</a:t>
+              <a:t>37</a:t>
             </a:fld>
             <a:endParaRPr lang="en-US" dirty="0"/>
           </a:p>
@@ -13934,7 +14442,7 @@
 </p:sld>
 </file>
 
-<file path=ppt/slides/slide37.xml><?xml version="1.0" encoding="utf-8"?>
+<file path=ppt/slides/slide38.xml><?xml version="1.0" encoding="utf-8"?>
 <p:sld xmlns:a="http://schemas.openxmlformats.org/drawingml/2006/main" xmlns:r="http://schemas.openxmlformats.org/officeDocument/2006/relationships" xmlns:p="http://schemas.openxmlformats.org/presentationml/2006/main">
   <p:cSld>
     <p:spTree>
@@ -14106,7 +14614,7 @@
           <a:p>
             <a:fld id="{629637A9-119A-49DA-BD12-AAC58B377D80}" type="slidenum">
               <a:rPr lang="en-US" smtClean="0"/>
-              <a:t>37</a:t>
+              <a:t>38</a:t>
             </a:fld>
             <a:endParaRPr lang="en-US" dirty="0"/>
           </a:p>
@@ -14125,7 +14633,7 @@
 </p:sld>
 </file>
 
-<file path=ppt/slides/slide38.xml><?xml version="1.0" encoding="utf-8"?>
+<file path=ppt/slides/slide39.xml><?xml version="1.0" encoding="utf-8"?>
 <p:sld xmlns:a="http://schemas.openxmlformats.org/drawingml/2006/main" xmlns:r="http://schemas.openxmlformats.org/officeDocument/2006/relationships" xmlns:p="http://schemas.openxmlformats.org/presentationml/2006/main">
   <p:cSld>
     <p:spTree>
@@ -14178,8 +14686,8 @@
           </a:p>
         </p:txBody>
       </p:sp>
-      <mc:AlternateContent xmlns:mc="http://schemas.openxmlformats.org/markup-compatibility/2006">
-        <mc:Choice xmlns:a14="http://schemas.microsoft.com/office/drawing/2010/main" Requires="a14">
+      <mc:AlternateContent xmlns:mc="http://schemas.openxmlformats.org/markup-compatibility/2006" xmlns:a14="http://schemas.microsoft.com/office/drawing/2010/main">
+        <mc:Choice Requires="a14">
           <p:sp>
             <p:nvSpPr>
               <p:cNvPr id="3" name="Content Placeholder 2">
@@ -14346,7 +14854,7 @@
             </p:txBody>
           </p:sp>
         </mc:Choice>
-        <mc:Fallback>
+        <mc:Fallback xmlns="">
           <p:sp>
             <p:nvSpPr>
               <p:cNvPr id="3" name="Content Placeholder 2">
@@ -14409,7 +14917,7 @@
           <a:p>
             <a:fld id="{629637A9-119A-49DA-BD12-AAC58B377D80}" type="slidenum">
               <a:rPr lang="en-US" smtClean="0"/>
-              <a:t>38</a:t>
+              <a:t>39</a:t>
             </a:fld>
             <a:endParaRPr lang="en-US" dirty="0"/>
           </a:p>
@@ -15110,212 +15618,6 @@
 </p:sld>
 </file>
 
-<file path=ppt/slides/slide39.xml><?xml version="1.0" encoding="utf-8"?>
-<p:sld xmlns:a="http://schemas.openxmlformats.org/drawingml/2006/main" xmlns:r="http://schemas.openxmlformats.org/officeDocument/2006/relationships" xmlns:p="http://schemas.openxmlformats.org/presentationml/2006/main">
-  <p:cSld>
-    <p:spTree>
-      <p:nvGrpSpPr>
-        <p:cNvPr id="1" name=""/>
-        <p:cNvGrpSpPr/>
-        <p:nvPr/>
-      </p:nvGrpSpPr>
-      <p:grpSpPr>
-        <a:xfrm>
-          <a:off x="0" y="0"/>
-          <a:ext cx="0" cy="0"/>
-          <a:chOff x="0" y="0"/>
-          <a:chExt cx="0" cy="0"/>
-        </a:xfrm>
-      </p:grpSpPr>
-      <p:sp>
-        <p:nvSpPr>
-          <p:cNvPr id="2" name="Title 1">
-            <a:extLst>
-              <a:ext uri="{FF2B5EF4-FFF2-40B4-BE49-F238E27FC236}">
-                <a16:creationId xmlns:a16="http://schemas.microsoft.com/office/drawing/2014/main" id="{7408BE07-C2AC-5C81-2EDC-B0E0254C50F2}"/>
-              </a:ext>
-            </a:extLst>
-          </p:cNvPr>
-          <p:cNvSpPr>
-            <a:spLocks noGrp="1"/>
-          </p:cNvSpPr>
-          <p:nvPr>
-            <p:ph type="title"/>
-          </p:nvPr>
-        </p:nvSpPr>
-        <p:spPr/>
-        <p:txBody>
-          <a:bodyPr/>
-          <a:lstStyle/>
-          <a:p>
-            <a:r>
-              <a:rPr lang="en-US" dirty="0" err="1"/>
-              <a:t>SystemVerilog</a:t>
-            </a:r>
-            <a:r>
-              <a:rPr lang="en-US" dirty="0"/>
-              <a:t> Description</a:t>
-            </a:r>
-          </a:p>
-        </p:txBody>
-      </p:sp>
-      <p:sp>
-        <p:nvSpPr>
-          <p:cNvPr id="3" name="Content Placeholder 2">
-            <a:extLst>
-              <a:ext uri="{FF2B5EF4-FFF2-40B4-BE49-F238E27FC236}">
-                <a16:creationId xmlns:a16="http://schemas.microsoft.com/office/drawing/2014/main" id="{5D6653BA-A695-433E-9E77-354D19D915CE}"/>
-              </a:ext>
-            </a:extLst>
-          </p:cNvPr>
-          <p:cNvSpPr>
-            <a:spLocks noGrp="1"/>
-          </p:cNvSpPr>
-          <p:nvPr>
-            <p:ph idx="1"/>
-          </p:nvPr>
-        </p:nvSpPr>
-        <p:spPr>
-          <a:xfrm>
-            <a:off x="1097280" y="1539277"/>
-            <a:ext cx="4998720" cy="4329817"/>
-          </a:xfrm>
-        </p:spPr>
-        <p:txBody>
-          <a:bodyPr/>
-          <a:lstStyle/>
-          <a:p>
-            <a:r>
-              <a:rPr lang="en-US" dirty="0"/>
-              <a:t>Each block is a </a:t>
-            </a:r>
-            <a:r>
-              <a:rPr lang="en-US" dirty="0">
-                <a:solidFill>
-                  <a:schemeClr val="accent1">
-                    <a:lumMod val="60000"/>
-                    <a:lumOff val="40000"/>
-                  </a:schemeClr>
-                </a:solidFill>
-              </a:rPr>
-              <a:t>module</a:t>
-            </a:r>
-          </a:p>
-          <a:p>
-            <a:pPr lvl="1"/>
-            <a:r>
-              <a:rPr lang="en-US" sz="2000" dirty="0"/>
-              <a:t>Has inputs and outputs</a:t>
-            </a:r>
-          </a:p>
-          <a:p>
-            <a:pPr lvl="1"/>
-            <a:r>
-              <a:rPr lang="en-US" sz="2000" dirty="0"/>
-              <a:t>Logical mapping from inputs to outputs</a:t>
-            </a:r>
-          </a:p>
-          <a:p>
-            <a:endParaRPr lang="en-US" dirty="0"/>
-          </a:p>
-          <a:p>
-            <a:r>
-              <a:rPr lang="en-US" dirty="0"/>
-              <a:t>Description is behavioral only</a:t>
-            </a:r>
-          </a:p>
-          <a:p>
-            <a:pPr lvl="1"/>
-            <a:r>
-              <a:rPr lang="en-US" sz="2000" dirty="0"/>
-              <a:t>Does not say how it will be implemented</a:t>
-            </a:r>
-          </a:p>
-          <a:p>
-            <a:pPr lvl="1"/>
-            <a:r>
-              <a:rPr lang="en-US" sz="2000" dirty="0"/>
-              <a:t>We discuss that later</a:t>
-            </a:r>
-          </a:p>
-          <a:p>
-            <a:pPr lvl="1"/>
-            <a:endParaRPr lang="en-US" dirty="0"/>
-          </a:p>
-        </p:txBody>
-      </p:sp>
-      <p:sp>
-        <p:nvSpPr>
-          <p:cNvPr id="4" name="Slide Number Placeholder 3">
-            <a:extLst>
-              <a:ext uri="{FF2B5EF4-FFF2-40B4-BE49-F238E27FC236}">
-                <a16:creationId xmlns:a16="http://schemas.microsoft.com/office/drawing/2014/main" id="{1F9B4595-A4AA-901B-7B0B-A65349D8B5E4}"/>
-              </a:ext>
-            </a:extLst>
-          </p:cNvPr>
-          <p:cNvSpPr>
-            <a:spLocks noGrp="1"/>
-          </p:cNvSpPr>
-          <p:nvPr>
-            <p:ph type="sldNum" sz="quarter" idx="12"/>
-          </p:nvPr>
-        </p:nvSpPr>
-        <p:spPr/>
-        <p:txBody>
-          <a:bodyPr/>
-          <a:lstStyle/>
-          <a:p>
-            <a:fld id="{629637A9-119A-49DA-BD12-AAC58B377D80}" type="slidenum">
-              <a:rPr lang="en-US" smtClean="0"/>
-              <a:t>39</a:t>
-            </a:fld>
-            <a:endParaRPr lang="en-US" dirty="0"/>
-          </a:p>
-        </p:txBody>
-      </p:sp>
-      <p:pic>
-        <p:nvPicPr>
-          <p:cNvPr id="6" name="Picture 5">
-            <a:extLst>
-              <a:ext uri="{FF2B5EF4-FFF2-40B4-BE49-F238E27FC236}">
-                <a16:creationId xmlns:a16="http://schemas.microsoft.com/office/drawing/2014/main" id="{52482BF0-FDB7-2E1E-B0BF-D180FA52EB93}"/>
-              </a:ext>
-            </a:extLst>
-          </p:cNvPr>
-          <p:cNvPicPr>
-            <a:picLocks noChangeAspect="1"/>
-          </p:cNvPicPr>
-          <p:nvPr/>
-        </p:nvPicPr>
-        <p:blipFill>
-          <a:blip r:embed="rId2"/>
-          <a:stretch>
-            <a:fillRect/>
-          </a:stretch>
-        </p:blipFill>
-        <p:spPr>
-          <a:xfrm>
-            <a:off x="5889326" y="1614292"/>
-            <a:ext cx="5810386" cy="3783208"/>
-          </a:xfrm>
-          <a:prstGeom prst="rect">
-            <a:avLst/>
-          </a:prstGeom>
-        </p:spPr>
-      </p:pic>
-    </p:spTree>
-    <p:extLst>
-      <p:ext uri="{BB962C8B-B14F-4D97-AF65-F5344CB8AC3E}">
-        <p14:creationId xmlns:p14="http://schemas.microsoft.com/office/powerpoint/2010/main" val="1914792155"/>
-      </p:ext>
-    </p:extLst>
-  </p:cSld>
-  <p:clrMapOvr>
-    <a:masterClrMapping/>
-  </p:clrMapOvr>
-</p:sld>
-</file>
-
 <file path=ppt/slides/slide4.xml><?xml version="1.0" encoding="utf-8"?>
 <p:sld xmlns:a="http://schemas.openxmlformats.org/drawingml/2006/main" xmlns:r="http://schemas.openxmlformats.org/officeDocument/2006/relationships" xmlns:p="http://schemas.openxmlformats.org/presentationml/2006/main">
   <p:cSld>
@@ -16016,6 +16318,212 @@
   <p:cSld>
     <p:spTree>
       <p:nvGrpSpPr>
+        <p:cNvPr id="1" name=""/>
+        <p:cNvGrpSpPr/>
+        <p:nvPr/>
+      </p:nvGrpSpPr>
+      <p:grpSpPr>
+        <a:xfrm>
+          <a:off x="0" y="0"/>
+          <a:ext cx="0" cy="0"/>
+          <a:chOff x="0" y="0"/>
+          <a:chExt cx="0" cy="0"/>
+        </a:xfrm>
+      </p:grpSpPr>
+      <p:sp>
+        <p:nvSpPr>
+          <p:cNvPr id="2" name="Title 1">
+            <a:extLst>
+              <a:ext uri="{FF2B5EF4-FFF2-40B4-BE49-F238E27FC236}">
+                <a16:creationId xmlns:a16="http://schemas.microsoft.com/office/drawing/2014/main" id="{7408BE07-C2AC-5C81-2EDC-B0E0254C50F2}"/>
+              </a:ext>
+            </a:extLst>
+          </p:cNvPr>
+          <p:cNvSpPr>
+            <a:spLocks noGrp="1"/>
+          </p:cNvSpPr>
+          <p:nvPr>
+            <p:ph type="title"/>
+          </p:nvPr>
+        </p:nvSpPr>
+        <p:spPr/>
+        <p:txBody>
+          <a:bodyPr/>
+          <a:lstStyle/>
+          <a:p>
+            <a:r>
+              <a:rPr lang="en-US" dirty="0" err="1"/>
+              <a:t>SystemVerilog</a:t>
+            </a:r>
+            <a:r>
+              <a:rPr lang="en-US" dirty="0"/>
+              <a:t> Description</a:t>
+            </a:r>
+          </a:p>
+        </p:txBody>
+      </p:sp>
+      <p:sp>
+        <p:nvSpPr>
+          <p:cNvPr id="3" name="Content Placeholder 2">
+            <a:extLst>
+              <a:ext uri="{FF2B5EF4-FFF2-40B4-BE49-F238E27FC236}">
+                <a16:creationId xmlns:a16="http://schemas.microsoft.com/office/drawing/2014/main" id="{5D6653BA-A695-433E-9E77-354D19D915CE}"/>
+              </a:ext>
+            </a:extLst>
+          </p:cNvPr>
+          <p:cNvSpPr>
+            <a:spLocks noGrp="1"/>
+          </p:cNvSpPr>
+          <p:nvPr>
+            <p:ph idx="1"/>
+          </p:nvPr>
+        </p:nvSpPr>
+        <p:spPr>
+          <a:xfrm>
+            <a:off x="1097280" y="1539277"/>
+            <a:ext cx="4998720" cy="4329817"/>
+          </a:xfrm>
+        </p:spPr>
+        <p:txBody>
+          <a:bodyPr/>
+          <a:lstStyle/>
+          <a:p>
+            <a:r>
+              <a:rPr lang="en-US" dirty="0"/>
+              <a:t>Each block is a </a:t>
+            </a:r>
+            <a:r>
+              <a:rPr lang="en-US" dirty="0">
+                <a:solidFill>
+                  <a:schemeClr val="accent1">
+                    <a:lumMod val="60000"/>
+                    <a:lumOff val="40000"/>
+                  </a:schemeClr>
+                </a:solidFill>
+              </a:rPr>
+              <a:t>module</a:t>
+            </a:r>
+          </a:p>
+          <a:p>
+            <a:pPr lvl="1"/>
+            <a:r>
+              <a:rPr lang="en-US" sz="2000" dirty="0"/>
+              <a:t>Has inputs and outputs</a:t>
+            </a:r>
+          </a:p>
+          <a:p>
+            <a:pPr lvl="1"/>
+            <a:r>
+              <a:rPr lang="en-US" sz="2000" dirty="0"/>
+              <a:t>Logical mapping from inputs to outputs</a:t>
+            </a:r>
+          </a:p>
+          <a:p>
+            <a:endParaRPr lang="en-US" dirty="0"/>
+          </a:p>
+          <a:p>
+            <a:r>
+              <a:rPr lang="en-US" dirty="0"/>
+              <a:t>Description is behavioral only</a:t>
+            </a:r>
+          </a:p>
+          <a:p>
+            <a:pPr lvl="1"/>
+            <a:r>
+              <a:rPr lang="en-US" sz="2000" dirty="0"/>
+              <a:t>Does not say how it will be implemented</a:t>
+            </a:r>
+          </a:p>
+          <a:p>
+            <a:pPr lvl="1"/>
+            <a:r>
+              <a:rPr lang="en-US" sz="2000" dirty="0"/>
+              <a:t>We discuss that later</a:t>
+            </a:r>
+          </a:p>
+          <a:p>
+            <a:pPr lvl="1"/>
+            <a:endParaRPr lang="en-US" dirty="0"/>
+          </a:p>
+        </p:txBody>
+      </p:sp>
+      <p:sp>
+        <p:nvSpPr>
+          <p:cNvPr id="4" name="Slide Number Placeholder 3">
+            <a:extLst>
+              <a:ext uri="{FF2B5EF4-FFF2-40B4-BE49-F238E27FC236}">
+                <a16:creationId xmlns:a16="http://schemas.microsoft.com/office/drawing/2014/main" id="{1F9B4595-A4AA-901B-7B0B-A65349D8B5E4}"/>
+              </a:ext>
+            </a:extLst>
+          </p:cNvPr>
+          <p:cNvSpPr>
+            <a:spLocks noGrp="1"/>
+          </p:cNvSpPr>
+          <p:nvPr>
+            <p:ph type="sldNum" sz="quarter" idx="12"/>
+          </p:nvPr>
+        </p:nvSpPr>
+        <p:spPr/>
+        <p:txBody>
+          <a:bodyPr/>
+          <a:lstStyle/>
+          <a:p>
+            <a:fld id="{629637A9-119A-49DA-BD12-AAC58B377D80}" type="slidenum">
+              <a:rPr lang="en-US" smtClean="0"/>
+              <a:t>40</a:t>
+            </a:fld>
+            <a:endParaRPr lang="en-US" dirty="0"/>
+          </a:p>
+        </p:txBody>
+      </p:sp>
+      <p:pic>
+        <p:nvPicPr>
+          <p:cNvPr id="6" name="Picture 5">
+            <a:extLst>
+              <a:ext uri="{FF2B5EF4-FFF2-40B4-BE49-F238E27FC236}">
+                <a16:creationId xmlns:a16="http://schemas.microsoft.com/office/drawing/2014/main" id="{52482BF0-FDB7-2E1E-B0BF-D180FA52EB93}"/>
+              </a:ext>
+            </a:extLst>
+          </p:cNvPr>
+          <p:cNvPicPr>
+            <a:picLocks noChangeAspect="1"/>
+          </p:cNvPicPr>
+          <p:nvPr/>
+        </p:nvPicPr>
+        <p:blipFill>
+          <a:blip r:embed="rId2"/>
+          <a:stretch>
+            <a:fillRect/>
+          </a:stretch>
+        </p:blipFill>
+        <p:spPr>
+          <a:xfrm>
+            <a:off x="5889326" y="1614292"/>
+            <a:ext cx="5810386" cy="3783208"/>
+          </a:xfrm>
+          <a:prstGeom prst="rect">
+            <a:avLst/>
+          </a:prstGeom>
+        </p:spPr>
+      </p:pic>
+    </p:spTree>
+    <p:extLst>
+      <p:ext uri="{BB962C8B-B14F-4D97-AF65-F5344CB8AC3E}">
+        <p14:creationId xmlns:p14="http://schemas.microsoft.com/office/powerpoint/2010/main" val="1914792155"/>
+      </p:ext>
+    </p:extLst>
+  </p:cSld>
+  <p:clrMapOvr>
+    <a:masterClrMapping/>
+  </p:clrMapOvr>
+</p:sld>
+</file>
+
+<file path=ppt/slides/slide41.xml><?xml version="1.0" encoding="utf-8"?>
+<p:sld xmlns:a="http://schemas.openxmlformats.org/drawingml/2006/main" xmlns:r="http://schemas.openxmlformats.org/officeDocument/2006/relationships" xmlns:p="http://schemas.openxmlformats.org/presentationml/2006/main">
+  <p:cSld>
+    <p:spTree>
+      <p:nvGrpSpPr>
         <p:cNvPr id="1" name="">
           <a:extLst>
             <a:ext uri="{FF2B5EF4-FFF2-40B4-BE49-F238E27FC236}">
@@ -16225,7 +16733,7 @@
           <a:p>
             <a:fld id="{629637A9-119A-49DA-BD12-AAC58B377D80}" type="slidenum">
               <a:rPr lang="en-US" smtClean="0"/>
-              <a:t>40</a:t>
+              <a:t>41</a:t>
             </a:fld>
             <a:endParaRPr lang="en-US" dirty="0"/>
           </a:p>
@@ -16367,7 +16875,7 @@
 </p:sld>
 </file>
 
-<file path=ppt/slides/slide41.xml><?xml version="1.0" encoding="utf-8"?>
+<file path=ppt/slides/slide42.xml><?xml version="1.0" encoding="utf-8"?>
 <p:sld xmlns:a="http://schemas.openxmlformats.org/drawingml/2006/main" xmlns:r="http://schemas.openxmlformats.org/officeDocument/2006/relationships" xmlns:p="http://schemas.openxmlformats.org/presentationml/2006/main">
   <p:cSld>
     <p:spTree>
@@ -16490,7 +16998,7 @@
           <a:p>
             <a:fld id="{629637A9-119A-49DA-BD12-AAC58B377D80}" type="slidenum">
               <a:rPr lang="en-US" smtClean="0"/>
-              <a:t>41</a:t>
+              <a:t>42</a:t>
             </a:fld>
             <a:endParaRPr lang="en-US" dirty="0"/>
           </a:p>
@@ -16539,7 +17047,7 @@
 </p:sld>
 </file>
 
-<file path=ppt/slides/slide42.xml><?xml version="1.0" encoding="utf-8"?>
+<file path=ppt/slides/slide43.xml><?xml version="1.0" encoding="utf-8"?>
 <p:sld xmlns:a="http://schemas.openxmlformats.org/drawingml/2006/main" xmlns:r="http://schemas.openxmlformats.org/officeDocument/2006/relationships" xmlns:p="http://schemas.openxmlformats.org/presentationml/2006/main">
   <p:cSld>
     <p:spTree>
@@ -16653,7 +17161,7 @@
           <a:p>
             <a:fld id="{629637A9-119A-49DA-BD12-AAC58B377D80}" type="slidenum">
               <a:rPr lang="en-US" smtClean="0"/>
-              <a:t>42</a:t>
+              <a:t>43</a:t>
             </a:fld>
             <a:endParaRPr lang="en-US" dirty="0"/>
           </a:p>
